--- a/近くの敵をロックオンする/近くの敵をロックオンする方法.pptx
+++ b/近くの敵をロックオンする/近くの敵をロックオンする方法.pptx
@@ -111,6 +111,11 @@
       </a:defRPr>
     </a:lvl9pPr>
   </p:defaultTextStyle>
+  <p:extLst>
+    <p:ext uri="{EFAFB233-063F-42B5-8137-9DF3F51BA10A}">
+      <p15:sldGuideLst xmlns:p15="http://schemas.microsoft.com/office/powerpoint/2012/main"/>
+    </p:ext>
+  </p:extLst>
 </p:presentation>
 </file>
 
@@ -261,7 +266,7 @@
           <a:p>
             <a:fld id="{1F24F7D0-9E2D-430D-95D8-AF2E1AC03ECA}" type="datetimeFigureOut">
               <a:rPr kumimoji="1" lang="ja-JP" altLang="en-US" smtClean="0"/>
-              <a:t>2025/5/13</a:t>
+              <a:t>2025/7/24</a:t>
             </a:fld>
             <a:endParaRPr kumimoji="1" lang="ja-JP" altLang="en-US"/>
           </a:p>
@@ -491,7 +496,7 @@
           <a:p>
             <a:fld id="{1F24F7D0-9E2D-430D-95D8-AF2E1AC03ECA}" type="datetimeFigureOut">
               <a:rPr kumimoji="1" lang="ja-JP" altLang="en-US" smtClean="0"/>
-              <a:t>2025/5/13</a:t>
+              <a:t>2025/7/24</a:t>
             </a:fld>
             <a:endParaRPr kumimoji="1" lang="ja-JP" altLang="en-US"/>
           </a:p>
@@ -731,7 +736,7 @@
           <a:p>
             <a:fld id="{1F24F7D0-9E2D-430D-95D8-AF2E1AC03ECA}" type="datetimeFigureOut">
               <a:rPr kumimoji="1" lang="ja-JP" altLang="en-US" smtClean="0"/>
-              <a:t>2025/5/13</a:t>
+              <a:t>2025/7/24</a:t>
             </a:fld>
             <a:endParaRPr kumimoji="1" lang="ja-JP" altLang="en-US"/>
           </a:p>
@@ -961,7 +966,7 @@
           <a:p>
             <a:fld id="{1F24F7D0-9E2D-430D-95D8-AF2E1AC03ECA}" type="datetimeFigureOut">
               <a:rPr kumimoji="1" lang="ja-JP" altLang="en-US" smtClean="0"/>
-              <a:t>2025/5/13</a:t>
+              <a:t>2025/7/24</a:t>
             </a:fld>
             <a:endParaRPr kumimoji="1" lang="ja-JP" altLang="en-US"/>
           </a:p>
@@ -1236,7 +1241,7 @@
           <a:p>
             <a:fld id="{1F24F7D0-9E2D-430D-95D8-AF2E1AC03ECA}" type="datetimeFigureOut">
               <a:rPr kumimoji="1" lang="ja-JP" altLang="en-US" smtClean="0"/>
-              <a:t>2025/5/13</a:t>
+              <a:t>2025/7/24</a:t>
             </a:fld>
             <a:endParaRPr kumimoji="1" lang="ja-JP" altLang="en-US"/>
           </a:p>
@@ -1565,7 +1570,7 @@
           <a:p>
             <a:fld id="{1F24F7D0-9E2D-430D-95D8-AF2E1AC03ECA}" type="datetimeFigureOut">
               <a:rPr kumimoji="1" lang="ja-JP" altLang="en-US" smtClean="0"/>
-              <a:t>2025/5/13</a:t>
+              <a:t>2025/7/24</a:t>
             </a:fld>
             <a:endParaRPr kumimoji="1" lang="ja-JP" altLang="en-US"/>
           </a:p>
@@ -2041,7 +2046,7 @@
           <a:p>
             <a:fld id="{1F24F7D0-9E2D-430D-95D8-AF2E1AC03ECA}" type="datetimeFigureOut">
               <a:rPr kumimoji="1" lang="ja-JP" altLang="en-US" smtClean="0"/>
-              <a:t>2025/5/13</a:t>
+              <a:t>2025/7/24</a:t>
             </a:fld>
             <a:endParaRPr kumimoji="1" lang="ja-JP" altLang="en-US"/>
           </a:p>
@@ -2182,7 +2187,7 @@
           <a:p>
             <a:fld id="{1F24F7D0-9E2D-430D-95D8-AF2E1AC03ECA}" type="datetimeFigureOut">
               <a:rPr kumimoji="1" lang="ja-JP" altLang="en-US" smtClean="0"/>
-              <a:t>2025/5/13</a:t>
+              <a:t>2025/7/24</a:t>
             </a:fld>
             <a:endParaRPr kumimoji="1" lang="ja-JP" altLang="en-US"/>
           </a:p>
@@ -2295,7 +2300,7 @@
           <a:p>
             <a:fld id="{1F24F7D0-9E2D-430D-95D8-AF2E1AC03ECA}" type="datetimeFigureOut">
               <a:rPr kumimoji="1" lang="ja-JP" altLang="en-US" smtClean="0"/>
-              <a:t>2025/5/13</a:t>
+              <a:t>2025/7/24</a:t>
             </a:fld>
             <a:endParaRPr kumimoji="1" lang="ja-JP" altLang="en-US"/>
           </a:p>
@@ -2638,7 +2643,7 @@
           <a:p>
             <a:fld id="{1F24F7D0-9E2D-430D-95D8-AF2E1AC03ECA}" type="datetimeFigureOut">
               <a:rPr kumimoji="1" lang="ja-JP" altLang="en-US" smtClean="0"/>
-              <a:t>2025/5/13</a:t>
+              <a:t>2025/7/24</a:t>
             </a:fld>
             <a:endParaRPr kumimoji="1" lang="ja-JP" altLang="en-US"/>
           </a:p>
@@ -2926,7 +2931,7 @@
           <a:p>
             <a:fld id="{1F24F7D0-9E2D-430D-95D8-AF2E1AC03ECA}" type="datetimeFigureOut">
               <a:rPr kumimoji="1" lang="ja-JP" altLang="en-US" smtClean="0"/>
-              <a:t>2025/5/13</a:t>
+              <a:t>2025/7/24</a:t>
             </a:fld>
             <a:endParaRPr kumimoji="1" lang="ja-JP" altLang="en-US"/>
           </a:p>
@@ -3199,7 +3204,7 @@
           <a:p>
             <a:fld id="{1F24F7D0-9E2D-430D-95D8-AF2E1AC03ECA}" type="datetimeFigureOut">
               <a:rPr kumimoji="1" lang="ja-JP" altLang="en-US" smtClean="0"/>
-              <a:t>2025/5/13</a:t>
+              <a:t>2025/7/24</a:t>
             </a:fld>
             <a:endParaRPr kumimoji="1" lang="ja-JP" altLang="en-US"/>
           </a:p>
@@ -3808,7 +3813,7 @@
         </p:nvSpPr>
         <p:spPr>
           <a:xfrm>
-            <a:off x="991673" y="4423892"/>
+            <a:off x="415939" y="5803855"/>
             <a:ext cx="689020" cy="689020"/>
           </a:xfrm>
           <a:prstGeom prst="ellipse">
@@ -3858,7 +3863,7 @@
         </p:nvCxnSpPr>
         <p:spPr>
           <a:xfrm>
-            <a:off x="1579788" y="4524797"/>
+            <a:off x="1004054" y="5904760"/>
             <a:ext cx="0" cy="0"/>
           </a:xfrm>
           <a:prstGeom prst="straightConnector1">
@@ -3899,7 +3904,7 @@
         </p:nvCxnSpPr>
         <p:spPr>
           <a:xfrm flipV="1">
-            <a:off x="1481071" y="2813002"/>
+            <a:off x="905337" y="4192965"/>
             <a:ext cx="1241524" cy="1726800"/>
           </a:xfrm>
           <a:prstGeom prst="straightConnector1">
@@ -3941,7 +3946,7 @@
         </p:nvCxnSpPr>
         <p:spPr>
           <a:xfrm flipV="1">
-            <a:off x="1788860" y="570658"/>
+            <a:off x="1213126" y="1950621"/>
             <a:ext cx="2676597" cy="4046296"/>
           </a:xfrm>
           <a:prstGeom prst="line">
@@ -3983,7 +3988,7 @@
         </p:nvSpPr>
         <p:spPr>
           <a:xfrm>
-            <a:off x="4465457" y="230188"/>
+            <a:off x="3889723" y="1610151"/>
             <a:ext cx="680939" cy="680939"/>
           </a:xfrm>
           <a:prstGeom prst="rect">
@@ -4029,7 +4034,7 @@
         </p:nvSpPr>
         <p:spPr>
           <a:xfrm>
-            <a:off x="2977389" y="1820642"/>
+            <a:off x="2401655" y="3200605"/>
             <a:ext cx="680939" cy="680939"/>
           </a:xfrm>
           <a:prstGeom prst="rect">
@@ -4075,13 +4080,13 @@
         </p:nvSpPr>
         <p:spPr>
           <a:xfrm>
-            <a:off x="4805945" y="2524667"/>
+            <a:off x="3423675" y="3685433"/>
             <a:ext cx="1494925" cy="576670"/>
           </a:xfrm>
           <a:prstGeom prst="wedgeRoundRectCallout">
             <a:avLst>
-              <a:gd name="adj1" fmla="val -154963"/>
-              <a:gd name="adj2" fmla="val -48859"/>
+              <a:gd name="adj1" fmla="val -88359"/>
+              <a:gd name="adj2" fmla="val 12218"/>
               <a:gd name="adj3" fmla="val 16667"/>
             </a:avLst>
           </a:prstGeom>
@@ -4132,7 +4137,7 @@
         </p:nvSpPr>
         <p:spPr>
           <a:xfrm>
-            <a:off x="3065674" y="2444038"/>
+            <a:off x="2489940" y="3824001"/>
             <a:ext cx="299535" cy="299535"/>
           </a:xfrm>
           <a:prstGeom prst="ellipse">
